--- a/使用案例圖.pptx
+++ b/使用案例圖.pptx
@@ -3335,8 +3335,8 @@
         </p:nvSpPr>
         <p:spPr>
           <a:xfrm>
-            <a:off x="3486150" y="171452"/>
-            <a:ext cx="5857875" cy="6581768"/>
+            <a:off x="1767689" y="37324"/>
+            <a:ext cx="6731004" cy="6783354"/>
           </a:xfrm>
           <a:prstGeom prst="rect">
             <a:avLst/>
@@ -3350,6 +3350,9 @@
           <a:ln>
             <a:noFill/>
           </a:ln>
+          <a:effectLst>
+            <a:softEdge rad="76200"/>
+          </a:effectLst>
         </p:spPr>
         <p:style>
           <a:lnRef idx="2">
@@ -3370,7 +3373,103 @@
           <a:lstStyle/>
           <a:p>
             <a:pPr algn="ctr"/>
-            <a:endParaRPr lang="zh-TW" altLang="en-US"/>
+            <a:r>
+              <a:rPr lang="zh-TW" altLang="en-US" sz="2800" dirty="0"/>
+              <a:t>感應系統</a:t>
+            </a:r>
+            <a:endParaRPr lang="en-US" altLang="zh-TW" sz="2800" dirty="0"/>
+          </a:p>
+          <a:p>
+            <a:pPr algn="ctr"/>
+            <a:endParaRPr lang="en-US" altLang="zh-TW" dirty="0"/>
+          </a:p>
+          <a:p>
+            <a:pPr algn="ctr"/>
+            <a:endParaRPr lang="en-US" altLang="zh-TW" dirty="0"/>
+          </a:p>
+          <a:p>
+            <a:pPr algn="ctr"/>
+            <a:endParaRPr lang="en-US" altLang="zh-TW" dirty="0"/>
+          </a:p>
+          <a:p>
+            <a:pPr algn="ctr"/>
+            <a:endParaRPr lang="en-US" altLang="zh-TW" dirty="0"/>
+          </a:p>
+          <a:p>
+            <a:pPr algn="ctr"/>
+            <a:endParaRPr lang="en-US" altLang="zh-TW" dirty="0"/>
+          </a:p>
+          <a:p>
+            <a:pPr algn="ctr"/>
+            <a:endParaRPr lang="en-US" altLang="zh-TW" dirty="0"/>
+          </a:p>
+          <a:p>
+            <a:pPr algn="ctr"/>
+            <a:endParaRPr lang="en-US" altLang="zh-TW" dirty="0"/>
+          </a:p>
+          <a:p>
+            <a:pPr algn="ctr"/>
+            <a:endParaRPr lang="en-US" altLang="zh-TW" dirty="0"/>
+          </a:p>
+          <a:p>
+            <a:pPr algn="ctr"/>
+            <a:endParaRPr lang="en-US" altLang="zh-TW" dirty="0"/>
+          </a:p>
+          <a:p>
+            <a:pPr algn="ctr"/>
+            <a:endParaRPr lang="en-US" altLang="zh-TW" dirty="0"/>
+          </a:p>
+          <a:p>
+            <a:pPr algn="ctr"/>
+            <a:endParaRPr lang="en-US" altLang="zh-TW" dirty="0"/>
+          </a:p>
+          <a:p>
+            <a:pPr algn="ctr"/>
+            <a:endParaRPr lang="en-US" altLang="zh-TW" dirty="0"/>
+          </a:p>
+          <a:p>
+            <a:pPr algn="ctr"/>
+            <a:endParaRPr lang="en-US" altLang="zh-TW" dirty="0"/>
+          </a:p>
+          <a:p>
+            <a:pPr algn="ctr"/>
+            <a:endParaRPr lang="en-US" altLang="zh-TW" dirty="0"/>
+          </a:p>
+          <a:p>
+            <a:pPr algn="ctr"/>
+            <a:endParaRPr lang="en-US" altLang="zh-TW" dirty="0"/>
+          </a:p>
+          <a:p>
+            <a:pPr algn="ctr"/>
+            <a:endParaRPr lang="en-US" altLang="zh-TW" dirty="0"/>
+          </a:p>
+          <a:p>
+            <a:pPr algn="ctr"/>
+            <a:endParaRPr lang="en-US" altLang="zh-TW" dirty="0"/>
+          </a:p>
+          <a:p>
+            <a:pPr algn="ctr"/>
+            <a:endParaRPr lang="en-US" altLang="zh-TW" dirty="0"/>
+          </a:p>
+          <a:p>
+            <a:pPr algn="ctr"/>
+            <a:endParaRPr lang="en-US" altLang="zh-TW" dirty="0"/>
+          </a:p>
+          <a:p>
+            <a:pPr algn="ctr"/>
+            <a:endParaRPr lang="en-US" altLang="zh-TW" dirty="0"/>
+          </a:p>
+          <a:p>
+            <a:pPr algn="ctr"/>
+            <a:endParaRPr lang="en-US" altLang="zh-TW" dirty="0"/>
+          </a:p>
+          <a:p>
+            <a:pPr algn="ctr"/>
+            <a:endParaRPr lang="en-US" altLang="zh-TW" dirty="0"/>
+          </a:p>
+          <a:p>
+            <a:pPr algn="ctr"/>
+            <a:endParaRPr lang="en-US" altLang="zh-TW" dirty="0"/>
           </a:p>
         </p:txBody>
       </p:sp>
@@ -3405,7 +3504,7 @@
         </p:blipFill>
         <p:spPr>
           <a:xfrm>
-            <a:off x="462792" y="2586605"/>
+            <a:off x="-304168" y="2586604"/>
             <a:ext cx="1684789" cy="1684789"/>
           </a:xfrm>
           <a:prstGeom prst="rect">
@@ -3413,47 +3512,6 @@
           </a:prstGeom>
         </p:spPr>
       </p:pic>
-      <p:cxnSp>
-        <p:nvCxnSpPr>
-          <p:cNvPr id="7" name="直線單箭頭接點 6">
-            <a:extLst>
-              <a:ext uri="{FF2B5EF4-FFF2-40B4-BE49-F238E27FC236}">
-                <a16:creationId xmlns:a16="http://schemas.microsoft.com/office/drawing/2014/main" id="{076E403C-9B06-44C1-9F71-FDE0E91D6021}"/>
-              </a:ext>
-            </a:extLst>
-          </p:cNvPr>
-          <p:cNvCxnSpPr>
-            <a:cxnSpLocks/>
-          </p:cNvCxnSpPr>
-          <p:nvPr/>
-        </p:nvCxnSpPr>
-        <p:spPr>
-          <a:xfrm flipV="1">
-            <a:off x="1845010" y="988610"/>
-            <a:ext cx="1483979" cy="1893667"/>
-          </a:xfrm>
-          <a:prstGeom prst="straightConnector1">
-            <a:avLst/>
-          </a:prstGeom>
-          <a:ln>
-            <a:tailEnd type="triangle"/>
-          </a:ln>
-        </p:spPr>
-        <p:style>
-          <a:lnRef idx="1">
-            <a:schemeClr val="dk1"/>
-          </a:lnRef>
-          <a:fillRef idx="0">
-            <a:schemeClr val="dk1"/>
-          </a:fillRef>
-          <a:effectRef idx="0">
-            <a:schemeClr val="dk1"/>
-          </a:effectRef>
-          <a:fontRef idx="minor">
-            <a:schemeClr val="tx1"/>
-          </a:fontRef>
-        </p:style>
-      </p:cxnSp>
       <p:sp>
         <p:nvSpPr>
           <p:cNvPr id="11" name="橢圓 10">
@@ -3468,7 +3526,7 @@
         </p:nvSpPr>
         <p:spPr>
           <a:xfrm>
-            <a:off x="3781429" y="242888"/>
+            <a:off x="6324614" y="242888"/>
             <a:ext cx="1957386" cy="915402"/>
           </a:xfrm>
           <a:prstGeom prst="ellipse">
@@ -3520,7 +3578,7 @@
         </p:nvSpPr>
         <p:spPr>
           <a:xfrm>
-            <a:off x="3781429" y="1350444"/>
+            <a:off x="6324614" y="1350444"/>
             <a:ext cx="1957386" cy="915402"/>
           </a:xfrm>
           <a:prstGeom prst="ellipse">
@@ -3572,7 +3630,7 @@
         </p:nvSpPr>
         <p:spPr>
           <a:xfrm>
-            <a:off x="3781429" y="2458000"/>
+            <a:off x="6324614" y="2458000"/>
             <a:ext cx="1957386" cy="915402"/>
           </a:xfrm>
           <a:prstGeom prst="ellipse">
@@ -3624,7 +3682,7 @@
         </p:nvSpPr>
         <p:spPr>
           <a:xfrm>
-            <a:off x="3781429" y="3565556"/>
+            <a:off x="6324614" y="3565556"/>
             <a:ext cx="1957386" cy="915402"/>
           </a:xfrm>
           <a:prstGeom prst="ellipse">
@@ -3676,7 +3734,7 @@
         </p:nvSpPr>
         <p:spPr>
           <a:xfrm>
-            <a:off x="3781429" y="4673112"/>
+            <a:off x="6324614" y="4673112"/>
             <a:ext cx="1957386" cy="915402"/>
           </a:xfrm>
           <a:prstGeom prst="ellipse">
@@ -3728,7 +3786,7 @@
         </p:nvSpPr>
         <p:spPr>
           <a:xfrm>
-            <a:off x="3781429" y="5780666"/>
+            <a:off x="6324614" y="5780666"/>
             <a:ext cx="1957386" cy="915402"/>
           </a:xfrm>
           <a:prstGeom prst="ellipse">
@@ -3766,211 +3824,6 @@
           </a:p>
         </p:txBody>
       </p:sp>
-      <p:cxnSp>
-        <p:nvCxnSpPr>
-          <p:cNvPr id="18" name="直線單箭頭接點 17">
-            <a:extLst>
-              <a:ext uri="{FF2B5EF4-FFF2-40B4-BE49-F238E27FC236}">
-                <a16:creationId xmlns:a16="http://schemas.microsoft.com/office/drawing/2014/main" id="{87F8E690-4AD1-4C3C-BA21-81520EED89C2}"/>
-              </a:ext>
-            </a:extLst>
-          </p:cNvPr>
-          <p:cNvCxnSpPr>
-            <a:cxnSpLocks/>
-          </p:cNvCxnSpPr>
-          <p:nvPr/>
-        </p:nvCxnSpPr>
-        <p:spPr>
-          <a:xfrm flipV="1">
-            <a:off x="1845010" y="1967581"/>
-            <a:ext cx="1450641" cy="1200282"/>
-          </a:xfrm>
-          <a:prstGeom prst="straightConnector1">
-            <a:avLst/>
-          </a:prstGeom>
-          <a:ln>
-            <a:tailEnd type="triangle"/>
-          </a:ln>
-        </p:spPr>
-        <p:style>
-          <a:lnRef idx="1">
-            <a:schemeClr val="dk1"/>
-          </a:lnRef>
-          <a:fillRef idx="0">
-            <a:schemeClr val="dk1"/>
-          </a:fillRef>
-          <a:effectRef idx="0">
-            <a:schemeClr val="dk1"/>
-          </a:effectRef>
-          <a:fontRef idx="minor">
-            <a:schemeClr val="tx1"/>
-          </a:fontRef>
-        </p:style>
-      </p:cxnSp>
-      <p:cxnSp>
-        <p:nvCxnSpPr>
-          <p:cNvPr id="19" name="直線單箭頭接點 18">
-            <a:extLst>
-              <a:ext uri="{FF2B5EF4-FFF2-40B4-BE49-F238E27FC236}">
-                <a16:creationId xmlns:a16="http://schemas.microsoft.com/office/drawing/2014/main" id="{B054B304-7D86-47F3-BEC6-62A9594DD03A}"/>
-              </a:ext>
-            </a:extLst>
-          </p:cNvPr>
-          <p:cNvCxnSpPr>
-            <a:cxnSpLocks/>
-          </p:cNvCxnSpPr>
-          <p:nvPr/>
-        </p:nvCxnSpPr>
-        <p:spPr>
-          <a:xfrm flipV="1">
-            <a:off x="1845010" y="3027839"/>
-            <a:ext cx="1450641" cy="356513"/>
-          </a:xfrm>
-          <a:prstGeom prst="straightConnector1">
-            <a:avLst/>
-          </a:prstGeom>
-          <a:ln>
-            <a:tailEnd type="triangle"/>
-          </a:ln>
-        </p:spPr>
-        <p:style>
-          <a:lnRef idx="1">
-            <a:schemeClr val="dk1"/>
-          </a:lnRef>
-          <a:fillRef idx="0">
-            <a:schemeClr val="dk1"/>
-          </a:fillRef>
-          <a:effectRef idx="0">
-            <a:schemeClr val="dk1"/>
-          </a:effectRef>
-          <a:fontRef idx="minor">
-            <a:schemeClr val="tx1"/>
-          </a:fontRef>
-        </p:style>
-      </p:cxnSp>
-      <p:cxnSp>
-        <p:nvCxnSpPr>
-          <p:cNvPr id="20" name="直線單箭頭接點 19">
-            <a:extLst>
-              <a:ext uri="{FF2B5EF4-FFF2-40B4-BE49-F238E27FC236}">
-                <a16:creationId xmlns:a16="http://schemas.microsoft.com/office/drawing/2014/main" id="{4119F0A1-D125-4C00-A2F8-C0EA1662AEC1}"/>
-              </a:ext>
-            </a:extLst>
-          </p:cNvPr>
-          <p:cNvCxnSpPr>
-            <a:cxnSpLocks/>
-          </p:cNvCxnSpPr>
-          <p:nvPr/>
-        </p:nvCxnSpPr>
-        <p:spPr>
-          <a:xfrm>
-            <a:off x="1845010" y="3621992"/>
-            <a:ext cx="1483979" cy="328224"/>
-          </a:xfrm>
-          <a:prstGeom prst="straightConnector1">
-            <a:avLst/>
-          </a:prstGeom>
-          <a:ln>
-            <a:tailEnd type="triangle"/>
-          </a:ln>
-        </p:spPr>
-        <p:style>
-          <a:lnRef idx="1">
-            <a:schemeClr val="dk1"/>
-          </a:lnRef>
-          <a:fillRef idx="0">
-            <a:schemeClr val="dk1"/>
-          </a:fillRef>
-          <a:effectRef idx="0">
-            <a:schemeClr val="dk1"/>
-          </a:effectRef>
-          <a:fontRef idx="minor">
-            <a:schemeClr val="tx1"/>
-          </a:fontRef>
-        </p:style>
-      </p:cxnSp>
-      <p:cxnSp>
-        <p:nvCxnSpPr>
-          <p:cNvPr id="21" name="直線單箭頭接點 20">
-            <a:extLst>
-              <a:ext uri="{FF2B5EF4-FFF2-40B4-BE49-F238E27FC236}">
-                <a16:creationId xmlns:a16="http://schemas.microsoft.com/office/drawing/2014/main" id="{90A991AA-17F8-40CA-9468-82FBF63F8799}"/>
-              </a:ext>
-            </a:extLst>
-          </p:cNvPr>
-          <p:cNvCxnSpPr>
-            <a:cxnSpLocks/>
-          </p:cNvCxnSpPr>
-          <p:nvPr/>
-        </p:nvCxnSpPr>
-        <p:spPr>
-          <a:xfrm>
-            <a:off x="1845010" y="3866322"/>
-            <a:ext cx="1450641" cy="1077153"/>
-          </a:xfrm>
-          <a:prstGeom prst="straightConnector1">
-            <a:avLst/>
-          </a:prstGeom>
-          <a:ln>
-            <a:tailEnd type="triangle"/>
-          </a:ln>
-        </p:spPr>
-        <p:style>
-          <a:lnRef idx="1">
-            <a:schemeClr val="dk1"/>
-          </a:lnRef>
-          <a:fillRef idx="0">
-            <a:schemeClr val="dk1"/>
-          </a:fillRef>
-          <a:effectRef idx="0">
-            <a:schemeClr val="dk1"/>
-          </a:effectRef>
-          <a:fontRef idx="minor">
-            <a:schemeClr val="tx1"/>
-          </a:fontRef>
-        </p:style>
-      </p:cxnSp>
-      <p:cxnSp>
-        <p:nvCxnSpPr>
-          <p:cNvPr id="22" name="直線單箭頭接點 21">
-            <a:extLst>
-              <a:ext uri="{FF2B5EF4-FFF2-40B4-BE49-F238E27FC236}">
-                <a16:creationId xmlns:a16="http://schemas.microsoft.com/office/drawing/2014/main" id="{7A74CECA-3E74-44D9-A2B5-62B07333B3EB}"/>
-              </a:ext>
-            </a:extLst>
-          </p:cNvPr>
-          <p:cNvCxnSpPr>
-            <a:cxnSpLocks/>
-          </p:cNvCxnSpPr>
-          <p:nvPr/>
-        </p:nvCxnSpPr>
-        <p:spPr>
-          <a:xfrm>
-            <a:off x="1845010" y="4131192"/>
-            <a:ext cx="1455403" cy="2107175"/>
-          </a:xfrm>
-          <a:prstGeom prst="straightConnector1">
-            <a:avLst/>
-          </a:prstGeom>
-          <a:ln>
-            <a:tailEnd type="triangle"/>
-          </a:ln>
-        </p:spPr>
-        <p:style>
-          <a:lnRef idx="1">
-            <a:schemeClr val="dk1"/>
-          </a:lnRef>
-          <a:fillRef idx="0">
-            <a:schemeClr val="dk1"/>
-          </a:fillRef>
-          <a:effectRef idx="0">
-            <a:schemeClr val="dk1"/>
-          </a:effectRef>
-          <a:fontRef idx="minor">
-            <a:schemeClr val="tx1"/>
-          </a:fontRef>
-        </p:style>
-      </p:cxnSp>
       <p:sp>
         <p:nvSpPr>
           <p:cNvPr id="30" name="橢圓 29">
@@ -3985,7 +3838,7 @@
         </p:nvSpPr>
         <p:spPr>
           <a:xfrm>
-            <a:off x="7224723" y="242888"/>
+            <a:off x="9767908" y="242888"/>
             <a:ext cx="1957386" cy="915402"/>
           </a:xfrm>
           <a:prstGeom prst="ellipse">
@@ -4037,7 +3890,7 @@
         </p:nvSpPr>
         <p:spPr>
           <a:xfrm>
-            <a:off x="7224723" y="1350444"/>
+            <a:off x="9767908" y="1350444"/>
             <a:ext cx="1957386" cy="915402"/>
           </a:xfrm>
           <a:prstGeom prst="ellipse">
@@ -4089,7 +3942,7 @@
         </p:nvSpPr>
         <p:spPr>
           <a:xfrm>
-            <a:off x="7224723" y="2424576"/>
+            <a:off x="9767908" y="2424576"/>
             <a:ext cx="1957386" cy="915402"/>
           </a:xfrm>
           <a:prstGeom prst="ellipse">
@@ -4141,7 +3994,7 @@
         </p:nvSpPr>
         <p:spPr>
           <a:xfrm>
-            <a:off x="7224723" y="3565556"/>
+            <a:off x="9767908" y="3565556"/>
             <a:ext cx="1957386" cy="915402"/>
           </a:xfrm>
           <a:prstGeom prst="ellipse">
@@ -4193,7 +4046,7 @@
         </p:nvSpPr>
         <p:spPr>
           <a:xfrm>
-            <a:off x="7224723" y="4673112"/>
+            <a:off x="9767908" y="4673112"/>
             <a:ext cx="1957386" cy="915402"/>
           </a:xfrm>
           <a:prstGeom prst="ellipse">
@@ -4245,7 +4098,7 @@
         </p:nvSpPr>
         <p:spPr>
           <a:xfrm>
-            <a:off x="7224723" y="5780666"/>
+            <a:off x="9767908" y="5780666"/>
             <a:ext cx="1957386" cy="915402"/>
           </a:xfrm>
           <a:prstGeom prst="ellipse">
@@ -4299,7 +4152,7 @@
         </p:nvCxnSpPr>
         <p:spPr>
           <a:xfrm flipV="1">
-            <a:off x="5955511" y="725813"/>
+            <a:off x="5020433" y="668663"/>
             <a:ext cx="1052513" cy="1"/>
           </a:xfrm>
           <a:prstGeom prst="straightConnector1">
@@ -4341,7 +4194,7 @@
         </p:nvCxnSpPr>
         <p:spPr>
           <a:xfrm flipV="1">
-            <a:off x="5955511" y="1830794"/>
+            <a:off x="5020433" y="1773644"/>
             <a:ext cx="1052513" cy="1"/>
           </a:xfrm>
           <a:prstGeom prst="straightConnector1">
@@ -4383,7 +4236,7 @@
         </p:nvCxnSpPr>
         <p:spPr>
           <a:xfrm flipV="1">
-            <a:off x="5955511" y="2935775"/>
+            <a:off x="5020433" y="2878625"/>
             <a:ext cx="1052513" cy="1"/>
           </a:xfrm>
           <a:prstGeom prst="straightConnector1">
@@ -4425,7 +4278,7 @@
         </p:nvCxnSpPr>
         <p:spPr>
           <a:xfrm flipV="1">
-            <a:off x="5955511" y="4040756"/>
+            <a:off x="5020433" y="3983606"/>
             <a:ext cx="1052513" cy="1"/>
           </a:xfrm>
           <a:prstGeom prst="straightConnector1">
@@ -4467,7 +4320,7 @@
         </p:nvCxnSpPr>
         <p:spPr>
           <a:xfrm flipV="1">
-            <a:off x="5955511" y="5145737"/>
+            <a:off x="5020433" y="5088587"/>
             <a:ext cx="1052513" cy="1"/>
           </a:xfrm>
           <a:prstGeom prst="straightConnector1">
@@ -4509,7 +4362,7 @@
         </p:nvCxnSpPr>
         <p:spPr>
           <a:xfrm flipV="1">
-            <a:off x="5955511" y="6250716"/>
+            <a:off x="5020433" y="6193566"/>
             <a:ext cx="1052513" cy="1"/>
           </a:xfrm>
           <a:prstGeom prst="straightConnector1">
@@ -4535,6 +4388,473 @@
           </a:fontRef>
         </p:style>
       </p:cxnSp>
+      <p:cxnSp>
+        <p:nvCxnSpPr>
+          <p:cNvPr id="46" name="直線單箭頭接點 45">
+            <a:extLst>
+              <a:ext uri="{FF2B5EF4-FFF2-40B4-BE49-F238E27FC236}">
+                <a16:creationId xmlns:a16="http://schemas.microsoft.com/office/drawing/2014/main" id="{A5A37E78-241B-4E07-95EC-A09BBC9F4218}"/>
+              </a:ext>
+            </a:extLst>
+          </p:cNvPr>
+          <p:cNvCxnSpPr>
+            <a:cxnSpLocks/>
+          </p:cNvCxnSpPr>
+          <p:nvPr/>
+        </p:nvCxnSpPr>
+        <p:spPr>
+          <a:xfrm>
+            <a:off x="952465" y="3428998"/>
+            <a:ext cx="1037262" cy="0"/>
+          </a:xfrm>
+          <a:prstGeom prst="straightConnector1">
+            <a:avLst/>
+          </a:prstGeom>
+          <a:ln>
+            <a:tailEnd type="triangle"/>
+          </a:ln>
+        </p:spPr>
+        <p:style>
+          <a:lnRef idx="1">
+            <a:schemeClr val="dk1"/>
+          </a:lnRef>
+          <a:fillRef idx="0">
+            <a:schemeClr val="dk1"/>
+          </a:fillRef>
+          <a:effectRef idx="0">
+            <a:schemeClr val="dk1"/>
+          </a:effectRef>
+          <a:fontRef idx="minor">
+            <a:schemeClr val="tx1"/>
+          </a:fontRef>
+        </p:style>
+      </p:cxnSp>
+      <p:sp>
+        <p:nvSpPr>
+          <p:cNvPr id="48" name="橢圓 47">
+            <a:extLst>
+              <a:ext uri="{FF2B5EF4-FFF2-40B4-BE49-F238E27FC236}">
+                <a16:creationId xmlns:a16="http://schemas.microsoft.com/office/drawing/2014/main" id="{7C46B38D-5563-4300-BD00-7FC1B1CEA3DF}"/>
+              </a:ext>
+            </a:extLst>
+          </p:cNvPr>
+          <p:cNvSpPr/>
+          <p:nvPr/>
+        </p:nvSpPr>
+        <p:spPr>
+          <a:xfrm>
+            <a:off x="2017720" y="2540912"/>
+            <a:ext cx="1957386" cy="1672603"/>
+          </a:xfrm>
+          <a:prstGeom prst="ellipse">
+            <a:avLst/>
+          </a:prstGeom>
+          <a:ln>
+            <a:solidFill>
+              <a:schemeClr val="tx1"/>
+            </a:solidFill>
+          </a:ln>
+        </p:spPr>
+        <p:style>
+          <a:lnRef idx="2">
+            <a:schemeClr val="accent6"/>
+          </a:lnRef>
+          <a:fillRef idx="1">
+            <a:schemeClr val="lt1"/>
+          </a:fillRef>
+          <a:effectRef idx="0">
+            <a:schemeClr val="accent6"/>
+          </a:effectRef>
+          <a:fontRef idx="minor">
+            <a:schemeClr val="dk1"/>
+          </a:fontRef>
+        </p:style>
+        <p:txBody>
+          <a:bodyPr rtlCol="0" anchor="ctr"/>
+          <a:lstStyle/>
+          <a:p>
+            <a:pPr algn="ctr"/>
+            <a:r>
+              <a:rPr lang="zh-TW" altLang="en-US" dirty="0"/>
+              <a:t>使用者行為</a:t>
+            </a:r>
+          </a:p>
+        </p:txBody>
+      </p:sp>
+      <p:cxnSp>
+        <p:nvCxnSpPr>
+          <p:cNvPr id="56" name="直線接點 55">
+            <a:extLst>
+              <a:ext uri="{FF2B5EF4-FFF2-40B4-BE49-F238E27FC236}">
+                <a16:creationId xmlns:a16="http://schemas.microsoft.com/office/drawing/2014/main" id="{BD3F66A8-BCFC-4215-8218-EA218F275CB9}"/>
+              </a:ext>
+            </a:extLst>
+          </p:cNvPr>
+          <p:cNvCxnSpPr/>
+          <p:nvPr/>
+        </p:nvCxnSpPr>
+        <p:spPr>
+          <a:xfrm>
+            <a:off x="5020433" y="668663"/>
+            <a:ext cx="0" cy="5524903"/>
+          </a:xfrm>
+          <a:prstGeom prst="line">
+            <a:avLst/>
+          </a:prstGeom>
+          <a:ln>
+            <a:prstDash val="dash"/>
+          </a:ln>
+        </p:spPr>
+        <p:style>
+          <a:lnRef idx="1">
+            <a:schemeClr val="dk1"/>
+          </a:lnRef>
+          <a:fillRef idx="0">
+            <a:schemeClr val="dk1"/>
+          </a:fillRef>
+          <a:effectRef idx="0">
+            <a:schemeClr val="dk1"/>
+          </a:effectRef>
+          <a:fontRef idx="minor">
+            <a:schemeClr val="tx1"/>
+          </a:fontRef>
+        </p:style>
+      </p:cxnSp>
+      <p:cxnSp>
+        <p:nvCxnSpPr>
+          <p:cNvPr id="58" name="直線接點 57">
+            <a:extLst>
+              <a:ext uri="{FF2B5EF4-FFF2-40B4-BE49-F238E27FC236}">
+                <a16:creationId xmlns:a16="http://schemas.microsoft.com/office/drawing/2014/main" id="{6562A6E1-FA29-4523-8395-9C07D60762DC}"/>
+              </a:ext>
+            </a:extLst>
+          </p:cNvPr>
+          <p:cNvCxnSpPr>
+            <a:cxnSpLocks/>
+          </p:cNvCxnSpPr>
+          <p:nvPr/>
+        </p:nvCxnSpPr>
+        <p:spPr>
+          <a:xfrm>
+            <a:off x="3975106" y="3428998"/>
+            <a:ext cx="1045327" cy="0"/>
+          </a:xfrm>
+          <a:prstGeom prst="line">
+            <a:avLst/>
+          </a:prstGeom>
+          <a:ln>
+            <a:prstDash val="dash"/>
+          </a:ln>
+        </p:spPr>
+        <p:style>
+          <a:lnRef idx="1">
+            <a:schemeClr val="dk1"/>
+          </a:lnRef>
+          <a:fillRef idx="0">
+            <a:schemeClr val="dk1"/>
+          </a:fillRef>
+          <a:effectRef idx="0">
+            <a:schemeClr val="dk1"/>
+          </a:effectRef>
+          <a:fontRef idx="minor">
+            <a:schemeClr val="tx1"/>
+          </a:fontRef>
+        </p:style>
+      </p:cxnSp>
+      <p:cxnSp>
+        <p:nvCxnSpPr>
+          <p:cNvPr id="61" name="直線單箭頭接點 60">
+            <a:extLst>
+              <a:ext uri="{FF2B5EF4-FFF2-40B4-BE49-F238E27FC236}">
+                <a16:creationId xmlns:a16="http://schemas.microsoft.com/office/drawing/2014/main" id="{DFB32229-5BF3-40FB-B0BA-8F664732EC6B}"/>
+              </a:ext>
+            </a:extLst>
+          </p:cNvPr>
+          <p:cNvCxnSpPr>
+            <a:cxnSpLocks/>
+          </p:cNvCxnSpPr>
+          <p:nvPr/>
+        </p:nvCxnSpPr>
+        <p:spPr>
+          <a:xfrm flipV="1">
+            <a:off x="8498697" y="668663"/>
+            <a:ext cx="1052513" cy="1"/>
+          </a:xfrm>
+          <a:prstGeom prst="straightConnector1">
+            <a:avLst/>
+          </a:prstGeom>
+          <a:ln>
+            <a:prstDash val="solid"/>
+            <a:headEnd type="triangle"/>
+            <a:tailEnd type="none"/>
+          </a:ln>
+        </p:spPr>
+        <p:style>
+          <a:lnRef idx="1">
+            <a:schemeClr val="dk1"/>
+          </a:lnRef>
+          <a:fillRef idx="0">
+            <a:schemeClr val="dk1"/>
+          </a:fillRef>
+          <a:effectRef idx="0">
+            <a:schemeClr val="dk1"/>
+          </a:effectRef>
+          <a:fontRef idx="minor">
+            <a:schemeClr val="tx1"/>
+          </a:fontRef>
+        </p:style>
+      </p:cxnSp>
+      <p:cxnSp>
+        <p:nvCxnSpPr>
+          <p:cNvPr id="62" name="直線單箭頭接點 61">
+            <a:extLst>
+              <a:ext uri="{FF2B5EF4-FFF2-40B4-BE49-F238E27FC236}">
+                <a16:creationId xmlns:a16="http://schemas.microsoft.com/office/drawing/2014/main" id="{07A8FAD2-225C-4630-9E2B-184794D3D42A}"/>
+              </a:ext>
+            </a:extLst>
+          </p:cNvPr>
+          <p:cNvCxnSpPr>
+            <a:cxnSpLocks/>
+          </p:cNvCxnSpPr>
+          <p:nvPr/>
+        </p:nvCxnSpPr>
+        <p:spPr>
+          <a:xfrm flipV="1">
+            <a:off x="8498697" y="1773644"/>
+            <a:ext cx="1052513" cy="1"/>
+          </a:xfrm>
+          <a:prstGeom prst="straightConnector1">
+            <a:avLst/>
+          </a:prstGeom>
+          <a:ln>
+            <a:prstDash val="solid"/>
+            <a:headEnd type="triangle"/>
+            <a:tailEnd type="none"/>
+          </a:ln>
+        </p:spPr>
+        <p:style>
+          <a:lnRef idx="1">
+            <a:schemeClr val="dk1"/>
+          </a:lnRef>
+          <a:fillRef idx="0">
+            <a:schemeClr val="dk1"/>
+          </a:fillRef>
+          <a:effectRef idx="0">
+            <a:schemeClr val="dk1"/>
+          </a:effectRef>
+          <a:fontRef idx="minor">
+            <a:schemeClr val="tx1"/>
+          </a:fontRef>
+        </p:style>
+      </p:cxnSp>
+      <p:cxnSp>
+        <p:nvCxnSpPr>
+          <p:cNvPr id="63" name="直線單箭頭接點 62">
+            <a:extLst>
+              <a:ext uri="{FF2B5EF4-FFF2-40B4-BE49-F238E27FC236}">
+                <a16:creationId xmlns:a16="http://schemas.microsoft.com/office/drawing/2014/main" id="{A4E55E6D-38AD-472C-9579-5E813E14C04B}"/>
+              </a:ext>
+            </a:extLst>
+          </p:cNvPr>
+          <p:cNvCxnSpPr>
+            <a:cxnSpLocks/>
+          </p:cNvCxnSpPr>
+          <p:nvPr/>
+        </p:nvCxnSpPr>
+        <p:spPr>
+          <a:xfrm flipV="1">
+            <a:off x="8498697" y="2878625"/>
+            <a:ext cx="1052513" cy="1"/>
+          </a:xfrm>
+          <a:prstGeom prst="straightConnector1">
+            <a:avLst/>
+          </a:prstGeom>
+          <a:ln>
+            <a:prstDash val="solid"/>
+            <a:headEnd type="triangle"/>
+            <a:tailEnd type="none"/>
+          </a:ln>
+        </p:spPr>
+        <p:style>
+          <a:lnRef idx="1">
+            <a:schemeClr val="dk1"/>
+          </a:lnRef>
+          <a:fillRef idx="0">
+            <a:schemeClr val="dk1"/>
+          </a:fillRef>
+          <a:effectRef idx="0">
+            <a:schemeClr val="dk1"/>
+          </a:effectRef>
+          <a:fontRef idx="minor">
+            <a:schemeClr val="tx1"/>
+          </a:fontRef>
+        </p:style>
+      </p:cxnSp>
+      <p:cxnSp>
+        <p:nvCxnSpPr>
+          <p:cNvPr id="64" name="直線單箭頭接點 63">
+            <a:extLst>
+              <a:ext uri="{FF2B5EF4-FFF2-40B4-BE49-F238E27FC236}">
+                <a16:creationId xmlns:a16="http://schemas.microsoft.com/office/drawing/2014/main" id="{0F1A2270-9C4D-47E6-82BE-76968386C4CB}"/>
+              </a:ext>
+            </a:extLst>
+          </p:cNvPr>
+          <p:cNvCxnSpPr>
+            <a:cxnSpLocks/>
+          </p:cNvCxnSpPr>
+          <p:nvPr/>
+        </p:nvCxnSpPr>
+        <p:spPr>
+          <a:xfrm flipV="1">
+            <a:off x="8498697" y="3983606"/>
+            <a:ext cx="1052513" cy="1"/>
+          </a:xfrm>
+          <a:prstGeom prst="straightConnector1">
+            <a:avLst/>
+          </a:prstGeom>
+          <a:ln>
+            <a:prstDash val="solid"/>
+            <a:headEnd type="triangle"/>
+            <a:tailEnd type="none"/>
+          </a:ln>
+        </p:spPr>
+        <p:style>
+          <a:lnRef idx="1">
+            <a:schemeClr val="dk1"/>
+          </a:lnRef>
+          <a:fillRef idx="0">
+            <a:schemeClr val="dk1"/>
+          </a:fillRef>
+          <a:effectRef idx="0">
+            <a:schemeClr val="dk1"/>
+          </a:effectRef>
+          <a:fontRef idx="minor">
+            <a:schemeClr val="tx1"/>
+          </a:fontRef>
+        </p:style>
+      </p:cxnSp>
+      <p:cxnSp>
+        <p:nvCxnSpPr>
+          <p:cNvPr id="65" name="直線單箭頭接點 64">
+            <a:extLst>
+              <a:ext uri="{FF2B5EF4-FFF2-40B4-BE49-F238E27FC236}">
+                <a16:creationId xmlns:a16="http://schemas.microsoft.com/office/drawing/2014/main" id="{0C9A1FC1-EE2B-43CA-9512-D1FD136A037C}"/>
+              </a:ext>
+            </a:extLst>
+          </p:cNvPr>
+          <p:cNvCxnSpPr>
+            <a:cxnSpLocks/>
+          </p:cNvCxnSpPr>
+          <p:nvPr/>
+        </p:nvCxnSpPr>
+        <p:spPr>
+          <a:xfrm flipV="1">
+            <a:off x="8498697" y="5088587"/>
+            <a:ext cx="1052513" cy="1"/>
+          </a:xfrm>
+          <a:prstGeom prst="straightConnector1">
+            <a:avLst/>
+          </a:prstGeom>
+          <a:ln>
+            <a:prstDash val="solid"/>
+            <a:headEnd type="triangle"/>
+            <a:tailEnd type="none"/>
+          </a:ln>
+        </p:spPr>
+        <p:style>
+          <a:lnRef idx="1">
+            <a:schemeClr val="dk1"/>
+          </a:lnRef>
+          <a:fillRef idx="0">
+            <a:schemeClr val="dk1"/>
+          </a:fillRef>
+          <a:effectRef idx="0">
+            <a:schemeClr val="dk1"/>
+          </a:effectRef>
+          <a:fontRef idx="minor">
+            <a:schemeClr val="tx1"/>
+          </a:fontRef>
+        </p:style>
+      </p:cxnSp>
+      <p:cxnSp>
+        <p:nvCxnSpPr>
+          <p:cNvPr id="66" name="直線單箭頭接點 65">
+            <a:extLst>
+              <a:ext uri="{FF2B5EF4-FFF2-40B4-BE49-F238E27FC236}">
+                <a16:creationId xmlns:a16="http://schemas.microsoft.com/office/drawing/2014/main" id="{1C500C1F-B212-412B-AFCC-1211C7D3B8C1}"/>
+              </a:ext>
+            </a:extLst>
+          </p:cNvPr>
+          <p:cNvCxnSpPr>
+            <a:cxnSpLocks/>
+          </p:cNvCxnSpPr>
+          <p:nvPr/>
+        </p:nvCxnSpPr>
+        <p:spPr>
+          <a:xfrm flipV="1">
+            <a:off x="8498697" y="6193566"/>
+            <a:ext cx="1052513" cy="1"/>
+          </a:xfrm>
+          <a:prstGeom prst="straightConnector1">
+            <a:avLst/>
+          </a:prstGeom>
+          <a:ln>
+            <a:prstDash val="solid"/>
+            <a:headEnd type="triangle"/>
+            <a:tailEnd type="none"/>
+          </a:ln>
+        </p:spPr>
+        <p:style>
+          <a:lnRef idx="1">
+            <a:schemeClr val="dk1"/>
+          </a:lnRef>
+          <a:fillRef idx="0">
+            <a:schemeClr val="dk1"/>
+          </a:fillRef>
+          <a:effectRef idx="0">
+            <a:schemeClr val="dk1"/>
+          </a:effectRef>
+          <a:fontRef idx="minor">
+            <a:schemeClr val="tx1"/>
+          </a:fontRef>
+        </p:style>
+      </p:cxnSp>
+      <p:sp>
+        <p:nvSpPr>
+          <p:cNvPr id="74" name="文字方塊 73">
+            <a:extLst>
+              <a:ext uri="{FF2B5EF4-FFF2-40B4-BE49-F238E27FC236}">
+                <a16:creationId xmlns:a16="http://schemas.microsoft.com/office/drawing/2014/main" id="{41437DB8-C352-4A34-B626-15D09FE711F6}"/>
+              </a:ext>
+            </a:extLst>
+          </p:cNvPr>
+          <p:cNvSpPr txBox="1"/>
+          <p:nvPr/>
+        </p:nvSpPr>
+        <p:spPr>
+          <a:xfrm>
+            <a:off x="3975106" y="3107094"/>
+            <a:ext cx="1080293" cy="307777"/>
+          </a:xfrm>
+          <a:prstGeom prst="rect">
+            <a:avLst/>
+          </a:prstGeom>
+          <a:noFill/>
+        </p:spPr>
+        <p:txBody>
+          <a:bodyPr wrap="square" rtlCol="0">
+            <a:spAutoFit/>
+          </a:bodyPr>
+          <a:lstStyle/>
+          <a:p>
+            <a:r>
+              <a:rPr lang="en-US" altLang="zh-TW" sz="1400" dirty="0"/>
+              <a:t>&lt;&lt;include&gt;&gt;</a:t>
+            </a:r>
+            <a:endParaRPr lang="zh-TW" altLang="en-US" sz="1400" dirty="0"/>
+          </a:p>
+        </p:txBody>
+      </p:sp>
     </p:spTree>
     <p:extLst>
       <p:ext uri="{BB962C8B-B14F-4D97-AF65-F5344CB8AC3E}">
